--- a/Cost Estimation.pptx
+++ b/Cost Estimation.pptx
@@ -277,7 +277,7 @@
           <a:p>
             <a:fld id="{25569111-8575-4D41-91A1-8A4896FBBF12}" type="datetimeFigureOut">
               <a:rPr lang="en-US" smtClean="0"/>
-              <a:t>8/30/2025</a:t>
+              <a:t>9/4/2025</a:t>
             </a:fld>
             <a:endParaRPr lang="en-US"/>
           </a:p>
@@ -475,7 +475,7 @@
           <a:p>
             <a:fld id="{25569111-8575-4D41-91A1-8A4896FBBF12}" type="datetimeFigureOut">
               <a:rPr lang="en-US" smtClean="0"/>
-              <a:t>8/30/2025</a:t>
+              <a:t>9/4/2025</a:t>
             </a:fld>
             <a:endParaRPr lang="en-US"/>
           </a:p>
@@ -683,7 +683,7 @@
           <a:p>
             <a:fld id="{25569111-8575-4D41-91A1-8A4896FBBF12}" type="datetimeFigureOut">
               <a:rPr lang="en-US" smtClean="0"/>
-              <a:t>8/30/2025</a:t>
+              <a:t>9/4/2025</a:t>
             </a:fld>
             <a:endParaRPr lang="en-US"/>
           </a:p>
@@ -881,7 +881,7 @@
           <a:p>
             <a:fld id="{25569111-8575-4D41-91A1-8A4896FBBF12}" type="datetimeFigureOut">
               <a:rPr lang="en-US" smtClean="0"/>
-              <a:t>8/30/2025</a:t>
+              <a:t>9/4/2025</a:t>
             </a:fld>
             <a:endParaRPr lang="en-US"/>
           </a:p>
@@ -1156,7 +1156,7 @@
           <a:p>
             <a:fld id="{25569111-8575-4D41-91A1-8A4896FBBF12}" type="datetimeFigureOut">
               <a:rPr lang="en-US" smtClean="0"/>
-              <a:t>8/30/2025</a:t>
+              <a:t>9/4/2025</a:t>
             </a:fld>
             <a:endParaRPr lang="en-US"/>
           </a:p>
@@ -1421,7 +1421,7 @@
           <a:p>
             <a:fld id="{25569111-8575-4D41-91A1-8A4896FBBF12}" type="datetimeFigureOut">
               <a:rPr lang="en-US" smtClean="0"/>
-              <a:t>8/30/2025</a:t>
+              <a:t>9/4/2025</a:t>
             </a:fld>
             <a:endParaRPr lang="en-US"/>
           </a:p>
@@ -1833,7 +1833,7 @@
           <a:p>
             <a:fld id="{25569111-8575-4D41-91A1-8A4896FBBF12}" type="datetimeFigureOut">
               <a:rPr lang="en-US" smtClean="0"/>
-              <a:t>8/30/2025</a:t>
+              <a:t>9/4/2025</a:t>
             </a:fld>
             <a:endParaRPr lang="en-US"/>
           </a:p>
@@ -1974,7 +1974,7 @@
           <a:p>
             <a:fld id="{25569111-8575-4D41-91A1-8A4896FBBF12}" type="datetimeFigureOut">
               <a:rPr lang="en-US" smtClean="0"/>
-              <a:t>8/30/2025</a:t>
+              <a:t>9/4/2025</a:t>
             </a:fld>
             <a:endParaRPr lang="en-US"/>
           </a:p>
@@ -2087,7 +2087,7 @@
           <a:p>
             <a:fld id="{25569111-8575-4D41-91A1-8A4896FBBF12}" type="datetimeFigureOut">
               <a:rPr lang="en-US" smtClean="0"/>
-              <a:t>8/30/2025</a:t>
+              <a:t>9/4/2025</a:t>
             </a:fld>
             <a:endParaRPr lang="en-US"/>
           </a:p>
@@ -2398,7 +2398,7 @@
           <a:p>
             <a:fld id="{25569111-8575-4D41-91A1-8A4896FBBF12}" type="datetimeFigureOut">
               <a:rPr lang="en-US" smtClean="0"/>
-              <a:t>8/30/2025</a:t>
+              <a:t>9/4/2025</a:t>
             </a:fld>
             <a:endParaRPr lang="en-US"/>
           </a:p>
@@ -2686,7 +2686,7 @@
           <a:p>
             <a:fld id="{25569111-8575-4D41-91A1-8A4896FBBF12}" type="datetimeFigureOut">
               <a:rPr lang="en-US" smtClean="0"/>
-              <a:t>8/30/2025</a:t>
+              <a:t>9/4/2025</a:t>
             </a:fld>
             <a:endParaRPr lang="en-US"/>
           </a:p>
@@ -2927,7 +2927,7 @@
           <a:p>
             <a:fld id="{25569111-8575-4D41-91A1-8A4896FBBF12}" type="datetimeFigureOut">
               <a:rPr lang="en-US" smtClean="0"/>
-              <a:t>8/30/2025</a:t>
+              <a:t>9/4/2025</a:t>
             </a:fld>
             <a:endParaRPr lang="en-US"/>
           </a:p>
@@ -6825,14 +6825,14 @@
             <a:pPr lvl="1"/>
             <a:r>
               <a:rPr lang="en-US" sz="2100" dirty="0"/>
-              <a:t>Corrective maintenance: 20-30%   (Mature ones)</a:t>
+              <a:t>Corrective maintenance: 20-30%   (Newer ones)</a:t>
             </a:r>
           </a:p>
           <a:p>
             <a:pPr lvl="1"/>
             <a:r>
               <a:rPr lang="en-US" sz="2100" dirty="0"/>
-              <a:t>Adaptive maintenance: 20-25%      (Newer ones)</a:t>
+              <a:t>Adaptive maintenance: 20-25%      (Mature ones)</a:t>
             </a:r>
           </a:p>
           <a:p>
